--- a/Concurrency.pptx
+++ b/Concurrency.pptx
@@ -26,7 +26,7 @@
     <p:sldId id="274" r:id="rId17"/>
     <p:sldId id="271" r:id="rId18"/>
     <p:sldId id="272" r:id="rId19"/>
-    <p:sldId id="273" r:id="rId20"/>
+    <p:sldId id="275" r:id="rId20"/>
   </p:sldIdLst>
   <p:sldSz cx="12192000" cy="6858000"/>
   <p:notesSz cx="6858000" cy="9144000"/>
@@ -215,7 +215,7 @@
           <a:p>
             <a:fld id="{A962B289-99C2-4B43-8E4B-994C6665D66D}" type="datetimeFigureOut">
               <a:rPr lang="en-US" smtClean="0"/>
-              <a:t>9/5/2014</a:t>
+              <a:t>9/6/2014</a:t>
             </a:fld>
             <a:endParaRPr lang="en-US"/>
           </a:p>
@@ -872,7 +872,7 @@
           <a:p>
             <a:fld id="{6F84135C-074C-4223-A392-62660EF2A88F}" type="datetime1">
               <a:rPr lang="en-US" smtClean="0"/>
-              <a:t>9/5/2014</a:t>
+              <a:t>9/6/2014</a:t>
             </a:fld>
             <a:endParaRPr lang="en-US"/>
           </a:p>
@@ -1046,7 +1046,7 @@
           <a:p>
             <a:fld id="{E3454548-02F4-43F1-A4F9-B5B42FC8622A}" type="datetime1">
               <a:rPr lang="en-US" smtClean="0"/>
-              <a:t>9/5/2014</a:t>
+              <a:t>9/6/2014</a:t>
             </a:fld>
             <a:endParaRPr lang="en-US"/>
           </a:p>
@@ -1230,7 +1230,7 @@
           <a:p>
             <a:fld id="{E96D0360-EEDE-4835-8FE5-74F04DCA96E4}" type="datetime1">
               <a:rPr lang="en-US" smtClean="0"/>
-              <a:t>9/5/2014</a:t>
+              <a:t>9/6/2014</a:t>
             </a:fld>
             <a:endParaRPr lang="en-US"/>
           </a:p>
@@ -1404,7 +1404,7 @@
           <a:p>
             <a:fld id="{97287D5E-BF0D-41E7-96D3-CECE482D7B38}" type="datetime1">
               <a:rPr lang="en-US" smtClean="0"/>
-              <a:t>9/5/2014</a:t>
+              <a:t>9/6/2014</a:t>
             </a:fld>
             <a:endParaRPr lang="en-US"/>
           </a:p>
@@ -1654,7 +1654,7 @@
           <a:p>
             <a:fld id="{20BDA889-C336-4803-979A-05E5B93E4507}" type="datetime1">
               <a:rPr lang="en-US" smtClean="0"/>
-              <a:t>9/5/2014</a:t>
+              <a:t>9/6/2014</a:t>
             </a:fld>
             <a:endParaRPr lang="en-US"/>
           </a:p>
@@ -1890,7 +1890,7 @@
           <a:p>
             <a:fld id="{0C94716F-F096-42C4-AD38-6743E089830E}" type="datetime1">
               <a:rPr lang="en-US" smtClean="0"/>
-              <a:t>9/5/2014</a:t>
+              <a:t>9/6/2014</a:t>
             </a:fld>
             <a:endParaRPr lang="en-US"/>
           </a:p>
@@ -2261,7 +2261,7 @@
           <a:p>
             <a:fld id="{D3EECBB8-4EB8-45E6-9118-FAD79488AEE7}" type="datetime1">
               <a:rPr lang="en-US" smtClean="0"/>
-              <a:t>9/5/2014</a:t>
+              <a:t>9/6/2014</a:t>
             </a:fld>
             <a:endParaRPr lang="en-US"/>
           </a:p>
@@ -2383,7 +2383,7 @@
           <a:p>
             <a:fld id="{87C09EE1-AC7D-484B-B439-CD07B1F613F9}" type="datetime1">
               <a:rPr lang="en-US" smtClean="0"/>
-              <a:t>9/5/2014</a:t>
+              <a:t>9/6/2014</a:t>
             </a:fld>
             <a:endParaRPr lang="en-US"/>
           </a:p>
@@ -2482,7 +2482,7 @@
           <a:p>
             <a:fld id="{9841F9E9-6F70-41E7-99F5-5A480958FE20}" type="datetime1">
               <a:rPr lang="en-US" smtClean="0"/>
-              <a:t>9/5/2014</a:t>
+              <a:t>9/6/2014</a:t>
             </a:fld>
             <a:endParaRPr lang="en-US"/>
           </a:p>
@@ -2763,7 +2763,7 @@
           <a:p>
             <a:fld id="{51ED824C-0E6C-4A89-8D2A-E2566C4DF51A}" type="datetime1">
               <a:rPr lang="en-US" smtClean="0"/>
-              <a:t>9/5/2014</a:t>
+              <a:t>9/6/2014</a:t>
             </a:fld>
             <a:endParaRPr lang="en-US"/>
           </a:p>
@@ -3020,7 +3020,7 @@
           <a:p>
             <a:fld id="{EBEF8DD0-6B2A-4676-A962-236A2255051B}" type="datetime1">
               <a:rPr lang="en-US" smtClean="0"/>
-              <a:t>9/5/2014</a:t>
+              <a:t>9/6/2014</a:t>
             </a:fld>
             <a:endParaRPr lang="en-US"/>
           </a:p>
@@ -3237,7 +3237,7 @@
           <a:p>
             <a:fld id="{977B3DD0-C027-40CA-8539-801CABA39B81}" type="datetime1">
               <a:rPr lang="en-US" smtClean="0"/>
-              <a:t>9/5/2014</a:t>
+              <a:t>9/6/2014</a:t>
             </a:fld>
             <a:endParaRPr lang="en-US"/>
           </a:p>
@@ -7817,11 +7817,7 @@
             <a:pPr lvl="1"/>
             <a:r>
               <a:rPr lang="en-US" dirty="0" smtClean="0"/>
-              <a:t>Threads using vast amounts of CPU can share CPU time with other threads by invoking yield</a:t>
-            </a:r>
-            <a:r>
-              <a:rPr lang="en-US" dirty="0" smtClean="0"/>
-              <a:t>()</a:t>
+              <a:t>Threads using vast amounts of CPU can share CPU time with other threads by invoking yield()</a:t>
             </a:r>
           </a:p>
           <a:p>
@@ -8690,7 +8686,7 @@
           <a:p>
             <a:r>
               <a:rPr lang="en-US" dirty="0" smtClean="0"/>
-              <a:t>Questions?</a:t>
+              <a:t>Case Study</a:t>
             </a:r>
             <a:endParaRPr lang="en-US" dirty="0"/>
           </a:p>
@@ -8698,7 +8694,195 @@
       </p:sp>
       <p:sp>
         <p:nvSpPr>
-          <p:cNvPr id="3" name="Footer Placeholder 2"/>
+          <p:cNvPr id="3" name="Content Placeholder 2"/>
+          <p:cNvSpPr>
+            <a:spLocks noGrp="1"/>
+          </p:cNvSpPr>
+          <p:nvPr>
+            <p:ph idx="1"/>
+          </p:nvPr>
+        </p:nvSpPr>
+        <p:spPr/>
+        <p:txBody>
+          <a:bodyPr>
+            <a:normAutofit fontScale="47500" lnSpcReduction="20000"/>
+          </a:bodyPr>
+          <a:lstStyle/>
+          <a:p>
+            <a:pPr marL="0" indent="0">
+              <a:buNone/>
+            </a:pPr>
+            <a:r>
+              <a:rPr lang="en-US" dirty="0"/>
+              <a:t>I am an Indian national bank. I have branches in Pune, Mumbai, Chennai, </a:t>
+            </a:r>
+            <a:r>
+              <a:rPr lang="en-US" dirty="0" err="1"/>
+              <a:t>B'lore</a:t>
+            </a:r>
+            <a:r>
+              <a:rPr lang="en-US" dirty="0"/>
+              <a:t>, Delhi, Kanpur, Kolkata, Patna. Our HQ is at </a:t>
+            </a:r>
+            <a:r>
+              <a:rPr lang="en-US" dirty="0" err="1"/>
+              <a:t>Udaypur</a:t>
+            </a:r>
+            <a:r>
+              <a:rPr lang="en-US" dirty="0"/>
+              <a:t>. Our data center is located in </a:t>
+            </a:r>
+            <a:r>
+              <a:rPr lang="en-US" dirty="0" err="1"/>
+              <a:t>Airoli</a:t>
+            </a:r>
+            <a:r>
+              <a:rPr lang="en-US" dirty="0"/>
+              <a:t>. </a:t>
+            </a:r>
+          </a:p>
+          <a:p>
+            <a:pPr marL="0" indent="0">
+              <a:buNone/>
+            </a:pPr>
+            <a:endParaRPr lang="en-US" dirty="0"/>
+          </a:p>
+          <a:p>
+            <a:pPr marL="0" indent="0">
+              <a:buNone/>
+            </a:pPr>
+            <a:r>
+              <a:rPr lang="en-US" dirty="0"/>
+              <a:t>We hold 1 million account per city. Most of our </a:t>
+            </a:r>
+            <a:r>
+              <a:rPr lang="en-US" dirty="0" err="1"/>
+              <a:t>cutomers</a:t>
+            </a:r>
+            <a:r>
+              <a:rPr lang="en-US" dirty="0"/>
+              <a:t> are businessmen with relying on online transactions. In recent past, the # of </a:t>
+            </a:r>
+            <a:r>
+              <a:rPr lang="en-US" dirty="0" err="1"/>
+              <a:t>transacitons</a:t>
+            </a:r>
+            <a:r>
+              <a:rPr lang="en-US" dirty="0"/>
+              <a:t> have gone up drastically. Many of our DEBIT and CREDIT transaction are failing and need careful reprocessing. There have been complaints as below</a:t>
+            </a:r>
+          </a:p>
+          <a:p>
+            <a:pPr marL="0" indent="0">
+              <a:buNone/>
+            </a:pPr>
+            <a:endParaRPr lang="en-US" dirty="0"/>
+          </a:p>
+          <a:p>
+            <a:pPr marL="0" indent="0">
+              <a:buNone/>
+            </a:pPr>
+            <a:r>
+              <a:rPr lang="en-US" dirty="0"/>
+              <a:t>1. Additional amount has been deducted</a:t>
+            </a:r>
+          </a:p>
+          <a:p>
+            <a:pPr marL="0" indent="0">
+              <a:buNone/>
+            </a:pPr>
+            <a:r>
+              <a:rPr lang="en-US" dirty="0"/>
+              <a:t>2. Insufficient amount in the account</a:t>
+            </a:r>
+          </a:p>
+          <a:p>
+            <a:pPr marL="0" indent="0">
+              <a:buNone/>
+            </a:pPr>
+            <a:r>
+              <a:rPr lang="en-US" dirty="0"/>
+              <a:t>3. approved transactions are failing</a:t>
+            </a:r>
+          </a:p>
+          <a:p>
+            <a:pPr marL="0" indent="0">
+              <a:buNone/>
+            </a:pPr>
+            <a:r>
+              <a:rPr lang="en-US" dirty="0"/>
+              <a:t>4. Older transactions are failing</a:t>
+            </a:r>
+          </a:p>
+          <a:p>
+            <a:pPr marL="0" indent="0">
+              <a:buNone/>
+            </a:pPr>
+            <a:r>
+              <a:rPr lang="en-US" dirty="0"/>
+              <a:t>5. Newer transaction may get processed earlier.</a:t>
+            </a:r>
+          </a:p>
+          <a:p>
+            <a:pPr marL="0" indent="0">
+              <a:buNone/>
+            </a:pPr>
+            <a:r>
+              <a:rPr lang="en-US" dirty="0"/>
+              <a:t>6. Money transfer is failing to meet SLA.</a:t>
+            </a:r>
+          </a:p>
+          <a:p>
+            <a:pPr marL="0" indent="0">
+              <a:buNone/>
+            </a:pPr>
+            <a:r>
+              <a:rPr lang="en-US" dirty="0"/>
+              <a:t>7. Customers are </a:t>
+            </a:r>
+            <a:r>
+              <a:rPr lang="en-US" dirty="0" err="1"/>
+              <a:t>repoted</a:t>
+            </a:r>
+            <a:r>
+              <a:rPr lang="en-US" dirty="0"/>
+              <a:t> with failed transactions.</a:t>
+            </a:r>
+          </a:p>
+          <a:p>
+            <a:pPr marL="0" indent="0">
+              <a:buNone/>
+            </a:pPr>
+            <a:endParaRPr lang="en-US" dirty="0"/>
+          </a:p>
+          <a:p>
+            <a:pPr marL="0" indent="0">
+              <a:buNone/>
+            </a:pPr>
+            <a:endParaRPr lang="en-US" dirty="0"/>
+          </a:p>
+          <a:p>
+            <a:pPr marL="0" indent="0">
+              <a:buNone/>
+            </a:pPr>
+            <a:r>
+              <a:rPr lang="en-US" dirty="0"/>
+              <a:t>We are appointing you to review our current banking software as I am not a </a:t>
+            </a:r>
+            <a:r>
+              <a:rPr lang="en-US" dirty="0" err="1"/>
+              <a:t>technicall</a:t>
+            </a:r>
+            <a:r>
+              <a:rPr lang="en-US" dirty="0"/>
+              <a:t> person. You need to perform RCA &amp; suggest-implement solution for me.</a:t>
+            </a:r>
+          </a:p>
+        </p:txBody>
+      </p:sp>
+      <p:sp>
+        <p:nvSpPr>
+          <p:cNvPr id="4" name="Footer Placeholder 3"/>
           <p:cNvSpPr>
             <a:spLocks noGrp="1"/>
           </p:cNvSpPr>
@@ -8722,7 +8906,7 @@
     </p:spTree>
     <p:extLst>
       <p:ext uri="{BB962C8B-B14F-4D97-AF65-F5344CB8AC3E}">
-        <p14:creationId xmlns:p14="http://schemas.microsoft.com/office/powerpoint/2010/main" val="3162145885"/>
+        <p14:creationId xmlns:p14="http://schemas.microsoft.com/office/powerpoint/2010/main" val="3595084779"/>
       </p:ext>
     </p:extLst>
   </p:cSld>
@@ -8991,11 +9175,7 @@
           <a:p>
             <a:r>
               <a:rPr lang="en-US" dirty="0" smtClean="0"/>
-              <a:t>Independent </a:t>
-            </a:r>
-            <a:r>
-              <a:rPr lang="en-US" dirty="0" smtClean="0"/>
-              <a:t>program</a:t>
+              <a:t>Independent program</a:t>
             </a:r>
           </a:p>
           <a:p>
@@ -9004,11 +9184,7 @@
           <a:p>
             <a:r>
               <a:rPr lang="en-US" dirty="0" smtClean="0"/>
-              <a:t>Has full stack of memory associated for its own </a:t>
-            </a:r>
-            <a:r>
-              <a:rPr lang="en-US" dirty="0" smtClean="0"/>
-              <a:t>use</a:t>
+              <a:t>Has full stack of memory associated for its own use</a:t>
             </a:r>
           </a:p>
           <a:p>
@@ -9669,11 +9845,7 @@
             <a:pPr lvl="1"/>
             <a:r>
               <a:rPr lang="en-US" dirty="0" smtClean="0"/>
-              <a:t>NOTE: A developer cannot make assumptions about how threads are going to be scheduled.  Typically, threads will be executed differently on different platforms</a:t>
-            </a:r>
-            <a:r>
-              <a:rPr lang="en-US" dirty="0" smtClean="0"/>
-              <a:t>.</a:t>
+              <a:t>NOTE: A developer cannot make assumptions about how threads are going to be scheduled.  Typically, threads will be executed differently on different platforms.</a:t>
             </a:r>
           </a:p>
         </p:txBody>

--- a/Concurrency.pptx
+++ b/Concurrency.pptx
@@ -5,7 +5,7 @@
     <p:sldMasterId id="2147483648" r:id="rId1"/>
   </p:sldMasterIdLst>
   <p:notesMasterIdLst>
-    <p:notesMasterId r:id="rId21"/>
+    <p:notesMasterId r:id="rId22"/>
   </p:notesMasterIdLst>
   <p:sldIdLst>
     <p:sldId id="256" r:id="rId2"/>
@@ -23,10 +23,11 @@
     <p:sldId id="268" r:id="rId14"/>
     <p:sldId id="269" r:id="rId15"/>
     <p:sldId id="270" r:id="rId16"/>
-    <p:sldId id="274" r:id="rId17"/>
-    <p:sldId id="271" r:id="rId18"/>
-    <p:sldId id="272" r:id="rId19"/>
-    <p:sldId id="275" r:id="rId20"/>
+    <p:sldId id="276" r:id="rId17"/>
+    <p:sldId id="274" r:id="rId18"/>
+    <p:sldId id="271" r:id="rId19"/>
+    <p:sldId id="272" r:id="rId20"/>
+    <p:sldId id="275" r:id="rId21"/>
   </p:sldIdLst>
   <p:sldSz cx="12192000" cy="6858000"/>
   <p:notesSz cx="6858000" cy="9144000"/>
@@ -8182,6 +8183,347 @@
           <a:lstStyle/>
           <a:p>
             <a:r>
+              <a:rPr lang="en-US" dirty="0" smtClean="0"/>
+              <a:t>Join() &amp; Interrupt()</a:t>
+            </a:r>
+            <a:endParaRPr lang="en-US" dirty="0"/>
+          </a:p>
+        </p:txBody>
+      </p:sp>
+      <p:sp>
+        <p:nvSpPr>
+          <p:cNvPr id="3" name="Content Placeholder 2"/>
+          <p:cNvSpPr>
+            <a:spLocks noGrp="1"/>
+          </p:cNvSpPr>
+          <p:nvPr>
+            <p:ph idx="1"/>
+          </p:nvPr>
+        </p:nvSpPr>
+        <p:spPr/>
+        <p:txBody>
+          <a:bodyPr>
+            <a:normAutofit fontScale="92500" lnSpcReduction="10000"/>
+          </a:bodyPr>
+          <a:lstStyle/>
+          <a:p>
+            <a:pPr fontAlgn="base"/>
+            <a:r>
+              <a:rPr lang="en-US" b="1" dirty="0" smtClean="0"/>
+              <a:t>Join()</a:t>
+            </a:r>
+            <a:r>
+              <a:rPr lang="en-US" dirty="0"/>
+              <a:t> method can be used to pause the current thread execution until unless the specified thread is dead. </a:t>
+            </a:r>
+          </a:p>
+          <a:p>
+            <a:pPr lvl="1" fontAlgn="base"/>
+            <a:r>
+              <a:rPr lang="en-US" sz="1800" b="1" dirty="0" smtClean="0"/>
+              <a:t>join</a:t>
+            </a:r>
+            <a:r>
+              <a:rPr lang="en-US" sz="1800" b="1" dirty="0"/>
+              <a:t>()</a:t>
+            </a:r>
+            <a:r>
+              <a:rPr lang="en-US" sz="1800" dirty="0"/>
+              <a:t>: This method puts the current thread on wait until the thread on which it’s called is dead. If the thread is interrupted, it throws </a:t>
+            </a:r>
+            <a:r>
+              <a:rPr lang="en-US" sz="1800" dirty="0" err="1"/>
+              <a:t>InterruptedException</a:t>
+            </a:r>
+            <a:r>
+              <a:rPr lang="en-US" sz="1800" dirty="0"/>
+              <a:t>.</a:t>
+            </a:r>
+          </a:p>
+          <a:p>
+            <a:pPr lvl="1" fontAlgn="base"/>
+            <a:r>
+              <a:rPr lang="en-US" sz="1800" b="1" dirty="0" smtClean="0"/>
+              <a:t>join(long </a:t>
+            </a:r>
+            <a:r>
+              <a:rPr lang="en-US" sz="1800" b="1" dirty="0" err="1"/>
+              <a:t>millis</a:t>
+            </a:r>
+            <a:r>
+              <a:rPr lang="en-US" sz="1800" b="1" dirty="0"/>
+              <a:t>)</a:t>
+            </a:r>
+            <a:r>
+              <a:rPr lang="en-US" sz="1800" dirty="0"/>
+              <a:t>: This method is used to wait for the thread on which it’s called to be dead or wait for specified milliseconds. Since thread execution depends on OS implementation, it doesn’t guarantee that the current thread will wait only for given time.</a:t>
+            </a:r>
+          </a:p>
+          <a:p>
+            <a:pPr lvl="1" fontAlgn="base"/>
+            <a:r>
+              <a:rPr lang="en-US" sz="1800" b="1" dirty="0" smtClean="0"/>
+              <a:t>join(long </a:t>
+            </a:r>
+            <a:r>
+              <a:rPr lang="en-US" sz="1800" b="1" dirty="0" err="1"/>
+              <a:t>millis</a:t>
+            </a:r>
+            <a:r>
+              <a:rPr lang="en-US" sz="1800" b="1" dirty="0"/>
+              <a:t>, </a:t>
+            </a:r>
+            <a:r>
+              <a:rPr lang="en-US" sz="1800" b="1" dirty="0" err="1"/>
+              <a:t>int</a:t>
+            </a:r>
+            <a:r>
+              <a:rPr lang="en-US" sz="1800" b="1" dirty="0"/>
+              <a:t> </a:t>
+            </a:r>
+            <a:r>
+              <a:rPr lang="en-US" sz="1800" b="1" dirty="0" err="1"/>
+              <a:t>nanos</a:t>
+            </a:r>
+            <a:r>
+              <a:rPr lang="en-US" sz="1800" b="1" dirty="0"/>
+              <a:t>)</a:t>
+            </a:r>
+            <a:r>
+              <a:rPr lang="en-US" sz="1800" dirty="0"/>
+              <a:t>: This method is used to wait for thread to die for given milliseconds plus nanoseconds</a:t>
+            </a:r>
+            <a:r>
+              <a:rPr lang="en-US" sz="1800" dirty="0" smtClean="0"/>
+              <a:t>.</a:t>
+            </a:r>
+          </a:p>
+          <a:p>
+            <a:pPr fontAlgn="base"/>
+            <a:r>
+              <a:rPr lang="en-US" b="1" dirty="0" smtClean="0"/>
+              <a:t>Interrupt() </a:t>
+            </a:r>
+            <a:r>
+              <a:rPr lang="en-US" b="1" dirty="0"/>
+              <a:t>a </a:t>
+            </a:r>
+            <a:r>
+              <a:rPr lang="en-US" b="1" dirty="0" smtClean="0"/>
+              <a:t>Thread</a:t>
+            </a:r>
+          </a:p>
+          <a:p>
+            <a:pPr lvl="1" fontAlgn="base"/>
+            <a:r>
+              <a:rPr lang="en-US" sz="1800" dirty="0" smtClean="0"/>
+              <a:t>If </a:t>
+            </a:r>
+            <a:r>
+              <a:rPr lang="en-US" sz="1800" dirty="0"/>
+              <a:t>any thread is in sleeping or waiting state (i.e. sleep() or wait() is invoked), calling the interrupt() method on the thread, breaks out the sleeping or waiting state throwing </a:t>
+            </a:r>
+            <a:r>
+              <a:rPr lang="en-US" sz="1800" dirty="0" err="1"/>
+              <a:t>InterruptedException</a:t>
+            </a:r>
+            <a:r>
+              <a:rPr lang="en-US" sz="1800" dirty="0"/>
+              <a:t>. </a:t>
+            </a:r>
+            <a:endParaRPr lang="en-US" sz="1800" dirty="0" smtClean="0"/>
+          </a:p>
+          <a:p>
+            <a:pPr lvl="1" fontAlgn="base"/>
+            <a:r>
+              <a:rPr lang="en-US" sz="1800" dirty="0" smtClean="0"/>
+              <a:t>If </a:t>
+            </a:r>
+            <a:r>
+              <a:rPr lang="en-US" sz="1800" dirty="0"/>
+              <a:t>the thread is not in the sleeping or waiting state, calling the interrupt() method performs normal </a:t>
+            </a:r>
+            <a:r>
+              <a:rPr lang="en-US" sz="1800" dirty="0" err="1"/>
+              <a:t>behaviour</a:t>
+            </a:r>
+            <a:r>
+              <a:rPr lang="en-US" sz="1800" dirty="0"/>
+              <a:t> and doesn't interrupt the thread but sets the interrupt flag to true. </a:t>
+            </a:r>
+          </a:p>
+          <a:p>
+            <a:pPr lvl="1" fontAlgn="base"/>
+            <a:r>
+              <a:rPr lang="en-US" sz="1800" dirty="0" smtClean="0"/>
+              <a:t>interrupt(); </a:t>
+            </a:r>
+            <a:r>
+              <a:rPr lang="en-US" sz="1800" dirty="0"/>
+              <a:t>interrupted</a:t>
+            </a:r>
+            <a:r>
+              <a:rPr lang="en-US" sz="1800" dirty="0" smtClean="0"/>
+              <a:t>(); </a:t>
+            </a:r>
+            <a:r>
+              <a:rPr lang="en-US" sz="1800" dirty="0" err="1" smtClean="0"/>
+              <a:t>isInterrupted</a:t>
+            </a:r>
+            <a:r>
+              <a:rPr lang="en-US" sz="1800" dirty="0" smtClean="0"/>
+              <a:t>();</a:t>
+            </a:r>
+            <a:endParaRPr lang="en-US" sz="1800" dirty="0"/>
+          </a:p>
+        </p:txBody>
+      </p:sp>
+      <p:pic>
+        <p:nvPicPr>
+          <p:cNvPr id="4" name="Picture 2" descr="http://docs.intersystems.com/ens20141/csp/docbook/images/tcos_handson.gif"/>
+          <p:cNvPicPr>
+            <a:picLocks noChangeAspect="1" noChangeArrowheads="1"/>
+          </p:cNvPicPr>
+          <p:nvPr/>
+        </p:nvPicPr>
+        <p:blipFill>
+          <a:blip r:embed="rId2">
+            <a:extLst>
+              <a:ext uri="{28A0092B-C50C-407E-A947-70E740481C1C}">
+                <a14:useLocalDpi xmlns:a14="http://schemas.microsoft.com/office/drawing/2010/main" val="0"/>
+              </a:ext>
+            </a:extLst>
+          </a:blip>
+          <a:srcRect/>
+          <a:stretch>
+            <a:fillRect/>
+          </a:stretch>
+        </p:blipFill>
+        <p:spPr bwMode="auto">
+          <a:xfrm>
+            <a:off x="10334625" y="0"/>
+            <a:ext cx="1857375" cy="1800225"/>
+          </a:xfrm>
+          <a:prstGeom prst="rect">
+            <a:avLst/>
+          </a:prstGeom>
+          <a:noFill/>
+          <a:extLst>
+            <a:ext uri="{909E8E84-426E-40DD-AFC4-6F175D3DCCD1}">
+              <a14:hiddenFill xmlns:a14="http://schemas.microsoft.com/office/drawing/2010/main">
+                <a:solidFill>
+                  <a:srgbClr val="FFFFFF"/>
+                </a:solidFill>
+              </a14:hiddenFill>
+            </a:ext>
+          </a:extLst>
+        </p:spPr>
+      </p:pic>
+      <p:sp>
+        <p:nvSpPr>
+          <p:cNvPr id="5" name="TextBox 4"/>
+          <p:cNvSpPr txBox="1"/>
+          <p:nvPr/>
+        </p:nvSpPr>
+        <p:spPr>
+          <a:xfrm>
+            <a:off x="10433777" y="1794306"/>
+            <a:ext cx="1496500" cy="461665"/>
+          </a:xfrm>
+          <a:prstGeom prst="rect">
+            <a:avLst/>
+          </a:prstGeom>
+          <a:noFill/>
+        </p:spPr>
+        <p:txBody>
+          <a:bodyPr wrap="none" rtlCol="0">
+            <a:spAutoFit/>
+          </a:bodyPr>
+          <a:lstStyle/>
+          <a:p>
+            <a:r>
+              <a:rPr lang="en-US" sz="1200" dirty="0" smtClean="0"/>
+              <a:t>        Thread Join</a:t>
+            </a:r>
+          </a:p>
+          <a:p>
+            <a:r>
+              <a:rPr lang="en-US" sz="1200" dirty="0" smtClean="0"/>
+              <a:t>        Thread interrupt</a:t>
+            </a:r>
+            <a:endParaRPr lang="en-US" sz="1200" dirty="0"/>
+          </a:p>
+        </p:txBody>
+      </p:sp>
+      <p:sp>
+        <p:nvSpPr>
+          <p:cNvPr id="6" name="Footer Placeholder 5"/>
+          <p:cNvSpPr>
+            <a:spLocks noGrp="1"/>
+          </p:cNvSpPr>
+          <p:nvPr>
+            <p:ph type="ftr" sz="quarter" idx="11"/>
+          </p:nvPr>
+        </p:nvSpPr>
+        <p:spPr/>
+        <p:txBody>
+          <a:bodyPr/>
+          <a:lstStyle/>
+          <a:p>
+            <a:r>
+              <a:rPr lang="en-US" smtClean="0"/>
+              <a:t>https://github.com/pgirgaonkar/ThreadExample</a:t>
+            </a:r>
+            <a:endParaRPr lang="en-US"/>
+          </a:p>
+        </p:txBody>
+      </p:sp>
+    </p:spTree>
+    <p:extLst>
+      <p:ext uri="{BB962C8B-B14F-4D97-AF65-F5344CB8AC3E}">
+        <p14:creationId xmlns:p14="http://schemas.microsoft.com/office/powerpoint/2010/main" val="3972180174"/>
+      </p:ext>
+    </p:extLst>
+  </p:cSld>
+  <p:clrMapOvr>
+    <a:masterClrMapping/>
+  </p:clrMapOvr>
+</p:sld>
+</file>
+
+<file path=ppt/slides/slide17.xml><?xml version="1.0" encoding="utf-8"?>
+<p:sld xmlns:a="http://schemas.openxmlformats.org/drawingml/2006/main" xmlns:r="http://schemas.openxmlformats.org/officeDocument/2006/relationships" xmlns:p="http://schemas.openxmlformats.org/presentationml/2006/main">
+  <p:cSld>
+    <p:spTree>
+      <p:nvGrpSpPr>
+        <p:cNvPr id="1" name=""/>
+        <p:cNvGrpSpPr/>
+        <p:nvPr/>
+      </p:nvGrpSpPr>
+      <p:grpSpPr>
+        <a:xfrm>
+          <a:off x="0" y="0"/>
+          <a:ext cx="0" cy="0"/>
+          <a:chOff x="0" y="0"/>
+          <a:chExt cx="0" cy="0"/>
+        </a:xfrm>
+      </p:grpSpPr>
+      <p:sp>
+        <p:nvSpPr>
+          <p:cNvPr id="2" name="Title 1"/>
+          <p:cNvSpPr>
+            <a:spLocks noGrp="1"/>
+          </p:cNvSpPr>
+          <p:nvPr>
+            <p:ph type="title"/>
+          </p:nvPr>
+        </p:nvSpPr>
+        <p:spPr/>
+        <p:txBody>
+          <a:bodyPr/>
+          <a:lstStyle/>
+          <a:p>
+            <a:r>
               <a:rPr lang="en-US" dirty="0" err="1" smtClean="0"/>
               <a:t>DeadLock</a:t>
             </a:r>
@@ -8355,155 +8697,6 @@
 </p:sld>
 </file>
 
-<file path=ppt/slides/slide17.xml><?xml version="1.0" encoding="utf-8"?>
-<p:sld xmlns:a="http://schemas.openxmlformats.org/drawingml/2006/main" xmlns:r="http://schemas.openxmlformats.org/officeDocument/2006/relationships" xmlns:p="http://schemas.openxmlformats.org/presentationml/2006/main">
-  <p:cSld>
-    <p:spTree>
-      <p:nvGrpSpPr>
-        <p:cNvPr id="1" name=""/>
-        <p:cNvGrpSpPr/>
-        <p:nvPr/>
-      </p:nvGrpSpPr>
-      <p:grpSpPr>
-        <a:xfrm>
-          <a:off x="0" y="0"/>
-          <a:ext cx="0" cy="0"/>
-          <a:chOff x="0" y="0"/>
-          <a:chExt cx="0" cy="0"/>
-        </a:xfrm>
-      </p:grpSpPr>
-      <p:sp>
-        <p:nvSpPr>
-          <p:cNvPr id="2" name="Title 1"/>
-          <p:cNvSpPr>
-            <a:spLocks noGrp="1"/>
-          </p:cNvSpPr>
-          <p:nvPr>
-            <p:ph type="title"/>
-          </p:nvPr>
-        </p:nvSpPr>
-        <p:spPr/>
-        <p:txBody>
-          <a:bodyPr/>
-          <a:lstStyle/>
-          <a:p>
-            <a:r>
-              <a:rPr lang="en-US" dirty="0" smtClean="0"/>
-              <a:t>Concurrent Access to Data</a:t>
-            </a:r>
-            <a:endParaRPr lang="en-US" dirty="0"/>
-          </a:p>
-        </p:txBody>
-      </p:sp>
-      <p:sp>
-        <p:nvSpPr>
-          <p:cNvPr id="3" name="Content Placeholder 2"/>
-          <p:cNvSpPr>
-            <a:spLocks noGrp="1"/>
-          </p:cNvSpPr>
-          <p:nvPr>
-            <p:ph idx="1"/>
-          </p:nvPr>
-        </p:nvSpPr>
-        <p:spPr/>
-        <p:txBody>
-          <a:bodyPr>
-            <a:normAutofit lnSpcReduction="10000"/>
-          </a:bodyPr>
-          <a:lstStyle/>
-          <a:p>
-            <a:r>
-              <a:rPr lang="en-US" dirty="0" smtClean="0"/>
-              <a:t>Those familiar with databases will understand that concurrent access to data can lead to data integrity problems</a:t>
-            </a:r>
-          </a:p>
-          <a:p>
-            <a:pPr lvl="1"/>
-            <a:r>
-              <a:rPr lang="en-US" dirty="0" smtClean="0"/>
-              <a:t>If two sources attempt to update the same data at the same time, the result of the data can be undefined</a:t>
-            </a:r>
-          </a:p>
-          <a:p>
-            <a:pPr lvl="1"/>
-            <a:r>
-              <a:rPr lang="en-US" dirty="0" smtClean="0"/>
-              <a:t>The outcome is determined by how the scheduler schedules the two sources</a:t>
-            </a:r>
-          </a:p>
-          <a:p>
-            <a:pPr lvl="2"/>
-            <a:r>
-              <a:rPr lang="en-US" dirty="0" smtClean="0"/>
-              <a:t>Since the scheduler’s activities cannot be predicted, the outcome should not be predicted.</a:t>
-            </a:r>
-          </a:p>
-          <a:p>
-            <a:r>
-              <a:rPr lang="en-US" dirty="0" smtClean="0"/>
-              <a:t>Databases deal with this problem through “locking”</a:t>
-            </a:r>
-          </a:p>
-          <a:p>
-            <a:pPr lvl="1"/>
-            <a:r>
-              <a:rPr lang="en-US" dirty="0" smtClean="0"/>
-              <a:t>If a source is going to update a table or record, it can lock the table or record until such time that the data has been successfully updated.</a:t>
-            </a:r>
-          </a:p>
-          <a:p>
-            <a:pPr lvl="1"/>
-            <a:r>
-              <a:rPr lang="en-US" dirty="0" smtClean="0"/>
-              <a:t>While locked, all access is blocked except to the source which holds the lock.</a:t>
-            </a:r>
-          </a:p>
-          <a:p>
-            <a:pPr lvl="2"/>
-            <a:r>
-              <a:rPr lang="en-US" dirty="0" smtClean="0"/>
-              <a:t>Therefore, it is within synchronized methods that critical data is updated</a:t>
-            </a:r>
-            <a:endParaRPr lang="en-US" dirty="0"/>
-          </a:p>
-        </p:txBody>
-      </p:sp>
-      <p:sp>
-        <p:nvSpPr>
-          <p:cNvPr id="4" name="Footer Placeholder 3"/>
-          <p:cNvSpPr>
-            <a:spLocks noGrp="1"/>
-          </p:cNvSpPr>
-          <p:nvPr>
-            <p:ph type="ftr" sz="quarter" idx="11"/>
-          </p:nvPr>
-        </p:nvSpPr>
-        <p:spPr/>
-        <p:txBody>
-          <a:bodyPr/>
-          <a:lstStyle/>
-          <a:p>
-            <a:r>
-              <a:rPr lang="en-US" smtClean="0"/>
-              <a:t>https://github.com/pgirgaonkar/ThreadExample</a:t>
-            </a:r>
-            <a:endParaRPr lang="en-US"/>
-          </a:p>
-        </p:txBody>
-      </p:sp>
-    </p:spTree>
-    <p:extLst>
-      <p:ext uri="{BB962C8B-B14F-4D97-AF65-F5344CB8AC3E}">
-        <p14:creationId xmlns:p14="http://schemas.microsoft.com/office/powerpoint/2010/main" val="2900446395"/>
-      </p:ext>
-    </p:extLst>
-  </p:cSld>
-  <p:clrMapOvr>
-    <a:masterClrMapping/>
-  </p:clrMapOvr>
-</p:sld>
-</file>
-
 <file path=ppt/slides/slide18.xml><?xml version="1.0" encoding="utf-8"?>
 <p:sld xmlns:a="http://schemas.openxmlformats.org/drawingml/2006/main" xmlns:r="http://schemas.openxmlformats.org/officeDocument/2006/relationships" xmlns:p="http://schemas.openxmlformats.org/presentationml/2006/main">
   <p:cSld>
@@ -8538,7 +8731,7 @@
           <a:p>
             <a:r>
               <a:rPr lang="en-US" dirty="0" smtClean="0"/>
-              <a:t>Thread Safety Performance Issues</a:t>
+              <a:t>Concurrent Access to Data</a:t>
             </a:r>
             <a:endParaRPr lang="en-US" dirty="0"/>
           </a:p>
@@ -8557,62 +8750,63 @@
         <p:spPr/>
         <p:txBody>
           <a:bodyPr>
-            <a:normAutofit fontScale="92500" lnSpcReduction="10000"/>
+            <a:normAutofit lnSpcReduction="10000"/>
           </a:bodyPr>
           <a:lstStyle/>
           <a:p>
             <a:r>
               <a:rPr lang="en-US" dirty="0" smtClean="0"/>
-              <a:t>Synchronization comes with a cost</a:t>
+              <a:t>Those familiar with databases will understand that concurrent access to data can lead to data integrity problems</a:t>
             </a:r>
           </a:p>
           <a:p>
             <a:pPr lvl="1"/>
             <a:r>
               <a:rPr lang="en-US" dirty="0" smtClean="0"/>
-              <a:t>Many threads may be waiting to gain access to one of the object’s synchronized methods</a:t>
+              <a:t>If two sources attempt to update the same data at the same time, the result of the data can be undefined</a:t>
             </a:r>
           </a:p>
           <a:p>
             <a:pPr lvl="1"/>
             <a:r>
               <a:rPr lang="en-US" dirty="0" smtClean="0"/>
-              <a:t>The object remains locked as long as the thread is within a synchronized method.</a:t>
+              <a:t>The outcome is determined by how the scheduler schedules the two sources</a:t>
+            </a:r>
+          </a:p>
+          <a:p>
+            <a:pPr lvl="2"/>
+            <a:r>
+              <a:rPr lang="en-US" dirty="0" smtClean="0"/>
+              <a:t>Since the scheduler’s activities cannot be predicted, the outcome should not be predicted.</a:t>
+            </a:r>
+          </a:p>
+          <a:p>
+            <a:r>
+              <a:rPr lang="en-US" dirty="0" smtClean="0"/>
+              <a:t>Databases deal with this problem through “locking”</a:t>
             </a:r>
           </a:p>
           <a:p>
             <a:pPr lvl="1"/>
             <a:r>
               <a:rPr lang="en-US" dirty="0" smtClean="0"/>
-              <a:t>Ideally, the method should be kept as short as possible</a:t>
-            </a:r>
-          </a:p>
-          <a:p>
-            <a:r>
-              <a:rPr lang="en-US" dirty="0" smtClean="0"/>
-              <a:t>Another solution is to provide synchronization on a block of code instead of the entire method</a:t>
+              <a:t>If a source is going to update a table or record, it can lock the table or record until such time that the data has been successfully updated.</a:t>
             </a:r>
           </a:p>
           <a:p>
             <a:pPr lvl="1"/>
             <a:r>
               <a:rPr lang="en-US" dirty="0" smtClean="0"/>
-              <a:t>In this case, the object’s lock is only held for the time that the thread is within the block.</a:t>
-            </a:r>
-          </a:p>
-          <a:p>
-            <a:pPr lvl="1"/>
-            <a:r>
-              <a:rPr lang="en-US" dirty="0" smtClean="0"/>
-              <a:t>The intent is that we only lock the region of code which requires access to critical data.  Any other code within the method can occur without the lock</a:t>
-            </a:r>
-          </a:p>
-          <a:p>
-            <a:pPr lvl="1"/>
-            <a:r>
-              <a:rPr lang="en-US" dirty="0" smtClean="0"/>
-              <a:t>In high load situations where multiple threads are attempting to access critical data, this is a far better implementation.</a:t>
-            </a:r>
+              <a:t>While locked, all access is blocked except to the source which holds the lock.</a:t>
+            </a:r>
+          </a:p>
+          <a:p>
+            <a:pPr lvl="2"/>
+            <a:r>
+              <a:rPr lang="en-US" dirty="0" smtClean="0"/>
+              <a:t>Therefore, it is within synchronized methods that critical data is updated</a:t>
+            </a:r>
+            <a:endParaRPr lang="en-US" dirty="0"/>
           </a:p>
         </p:txBody>
       </p:sp>
@@ -8642,7 +8836,7 @@
     </p:spTree>
     <p:extLst>
       <p:ext uri="{BB962C8B-B14F-4D97-AF65-F5344CB8AC3E}">
-        <p14:creationId xmlns:p14="http://schemas.microsoft.com/office/powerpoint/2010/main" val="1577056362"/>
+        <p14:creationId xmlns:p14="http://schemas.microsoft.com/office/powerpoint/2010/main" val="2900446395"/>
       </p:ext>
     </p:extLst>
   </p:cSld>
@@ -8686,7 +8880,7 @@
           <a:p>
             <a:r>
               <a:rPr lang="en-US" dirty="0" smtClean="0"/>
-              <a:t>Case Study</a:t>
+              <a:t>Thread Safety Performance Issues</a:t>
             </a:r>
             <a:endParaRPr lang="en-US" dirty="0"/>
           </a:p>
@@ -8705,177 +8899,61 @@
         <p:spPr/>
         <p:txBody>
           <a:bodyPr>
-            <a:normAutofit fontScale="47500" lnSpcReduction="20000"/>
+            <a:normAutofit fontScale="92500" lnSpcReduction="10000"/>
           </a:bodyPr>
           <a:lstStyle/>
           <a:p>
-            <a:pPr marL="0" indent="0">
-              <a:buNone/>
-            </a:pPr>
-            <a:r>
-              <a:rPr lang="en-US" dirty="0"/>
-              <a:t>I am an Indian national bank. I have branches in Pune, Mumbai, Chennai, </a:t>
-            </a:r>
-            <a:r>
-              <a:rPr lang="en-US" dirty="0" err="1"/>
-              <a:t>B'lore</a:t>
-            </a:r>
-            <a:r>
-              <a:rPr lang="en-US" dirty="0"/>
-              <a:t>, Delhi, Kanpur, Kolkata, Patna. Our HQ is at </a:t>
-            </a:r>
-            <a:r>
-              <a:rPr lang="en-US" dirty="0" err="1"/>
-              <a:t>Udaypur</a:t>
-            </a:r>
-            <a:r>
-              <a:rPr lang="en-US" dirty="0"/>
-              <a:t>. Our data center is located in </a:t>
-            </a:r>
-            <a:r>
-              <a:rPr lang="en-US" dirty="0" err="1"/>
-              <a:t>Airoli</a:t>
-            </a:r>
-            <a:r>
-              <a:rPr lang="en-US" dirty="0"/>
-              <a:t>. </a:t>
-            </a:r>
-          </a:p>
-          <a:p>
-            <a:pPr marL="0" indent="0">
-              <a:buNone/>
-            </a:pPr>
-            <a:endParaRPr lang="en-US" dirty="0"/>
-          </a:p>
-          <a:p>
-            <a:pPr marL="0" indent="0">
-              <a:buNone/>
-            </a:pPr>
-            <a:r>
-              <a:rPr lang="en-US" dirty="0"/>
-              <a:t>We hold 1 million account per city. Most of our </a:t>
-            </a:r>
-            <a:r>
-              <a:rPr lang="en-US" dirty="0" err="1"/>
-              <a:t>cutomers</a:t>
-            </a:r>
-            <a:r>
-              <a:rPr lang="en-US" dirty="0"/>
-              <a:t> are businessmen with relying on online transactions. In recent past, the # of </a:t>
-            </a:r>
-            <a:r>
-              <a:rPr lang="en-US" dirty="0" err="1"/>
-              <a:t>transacitons</a:t>
-            </a:r>
-            <a:r>
-              <a:rPr lang="en-US" dirty="0"/>
-              <a:t> have gone up drastically. Many of our DEBIT and CREDIT transaction are failing and need careful reprocessing. There have been complaints as below</a:t>
-            </a:r>
-          </a:p>
-          <a:p>
-            <a:pPr marL="0" indent="0">
-              <a:buNone/>
-            </a:pPr>
-            <a:endParaRPr lang="en-US" dirty="0"/>
-          </a:p>
-          <a:p>
-            <a:pPr marL="0" indent="0">
-              <a:buNone/>
-            </a:pPr>
-            <a:r>
-              <a:rPr lang="en-US" dirty="0"/>
-              <a:t>1. Additional amount has been deducted</a:t>
-            </a:r>
-          </a:p>
-          <a:p>
-            <a:pPr marL="0" indent="0">
-              <a:buNone/>
-            </a:pPr>
-            <a:r>
-              <a:rPr lang="en-US" dirty="0"/>
-              <a:t>2. Insufficient amount in the account</a:t>
-            </a:r>
-          </a:p>
-          <a:p>
-            <a:pPr marL="0" indent="0">
-              <a:buNone/>
-            </a:pPr>
-            <a:r>
-              <a:rPr lang="en-US" dirty="0"/>
-              <a:t>3. approved transactions are failing</a:t>
-            </a:r>
-          </a:p>
-          <a:p>
-            <a:pPr marL="0" indent="0">
-              <a:buNone/>
-            </a:pPr>
-            <a:r>
-              <a:rPr lang="en-US" dirty="0"/>
-              <a:t>4. Older transactions are failing</a:t>
-            </a:r>
-          </a:p>
-          <a:p>
-            <a:pPr marL="0" indent="0">
-              <a:buNone/>
-            </a:pPr>
-            <a:r>
-              <a:rPr lang="en-US" dirty="0"/>
-              <a:t>5. Newer transaction may get processed earlier.</a:t>
-            </a:r>
-          </a:p>
-          <a:p>
-            <a:pPr marL="0" indent="0">
-              <a:buNone/>
-            </a:pPr>
-            <a:r>
-              <a:rPr lang="en-US" dirty="0"/>
-              <a:t>6. Money transfer is failing to meet SLA.</a:t>
-            </a:r>
-          </a:p>
-          <a:p>
-            <a:pPr marL="0" indent="0">
-              <a:buNone/>
-            </a:pPr>
-            <a:r>
-              <a:rPr lang="en-US" dirty="0"/>
-              <a:t>7. Customers are </a:t>
-            </a:r>
-            <a:r>
-              <a:rPr lang="en-US" dirty="0" err="1"/>
-              <a:t>repoted</a:t>
-            </a:r>
-            <a:r>
-              <a:rPr lang="en-US" dirty="0"/>
-              <a:t> with failed transactions.</a:t>
-            </a:r>
-          </a:p>
-          <a:p>
-            <a:pPr marL="0" indent="0">
-              <a:buNone/>
-            </a:pPr>
-            <a:endParaRPr lang="en-US" dirty="0"/>
-          </a:p>
-          <a:p>
-            <a:pPr marL="0" indent="0">
-              <a:buNone/>
-            </a:pPr>
-            <a:endParaRPr lang="en-US" dirty="0"/>
-          </a:p>
-          <a:p>
-            <a:pPr marL="0" indent="0">
-              <a:buNone/>
-            </a:pPr>
-            <a:r>
-              <a:rPr lang="en-US" dirty="0"/>
-              <a:t>We are appointing you to review our current banking software as I am not a </a:t>
-            </a:r>
-            <a:r>
-              <a:rPr lang="en-US" dirty="0" err="1"/>
-              <a:t>technicall</a:t>
-            </a:r>
-            <a:r>
-              <a:rPr lang="en-US" dirty="0"/>
-              <a:t> person. You need to perform RCA &amp; suggest-implement solution for me.</a:t>
+            <a:r>
+              <a:rPr lang="en-US" dirty="0" smtClean="0"/>
+              <a:t>Synchronization comes with a cost</a:t>
+            </a:r>
+          </a:p>
+          <a:p>
+            <a:pPr lvl="1"/>
+            <a:r>
+              <a:rPr lang="en-US" dirty="0" smtClean="0"/>
+              <a:t>Many threads may be waiting to gain access to one of the object’s synchronized methods</a:t>
+            </a:r>
+          </a:p>
+          <a:p>
+            <a:pPr lvl="1"/>
+            <a:r>
+              <a:rPr lang="en-US" dirty="0" smtClean="0"/>
+              <a:t>The object remains locked as long as the thread is within a synchronized method.</a:t>
+            </a:r>
+          </a:p>
+          <a:p>
+            <a:pPr lvl="1"/>
+            <a:r>
+              <a:rPr lang="en-US" dirty="0" smtClean="0"/>
+              <a:t>Ideally, the method should be kept as short as possible</a:t>
+            </a:r>
+          </a:p>
+          <a:p>
+            <a:r>
+              <a:rPr lang="en-US" dirty="0" smtClean="0"/>
+              <a:t>Another solution is to provide synchronization on a block of code instead of the entire method</a:t>
+            </a:r>
+          </a:p>
+          <a:p>
+            <a:pPr lvl="1"/>
+            <a:r>
+              <a:rPr lang="en-US" dirty="0" smtClean="0"/>
+              <a:t>In this case, the object’s lock is only held for the time that the thread is within the block.</a:t>
+            </a:r>
+          </a:p>
+          <a:p>
+            <a:pPr lvl="1"/>
+            <a:r>
+              <a:rPr lang="en-US" dirty="0" smtClean="0"/>
+              <a:t>The intent is that we only lock the region of code which requires access to critical data.  Any other code within the method can occur without the lock</a:t>
+            </a:r>
+          </a:p>
+          <a:p>
+            <a:pPr lvl="1"/>
+            <a:r>
+              <a:rPr lang="en-US" dirty="0" smtClean="0"/>
+              <a:t>In high load situations where multiple threads are attempting to access critical data, this is a far better implementation.</a:t>
             </a:r>
           </a:p>
         </p:txBody>
@@ -8906,7 +8984,7 @@
     </p:spTree>
     <p:extLst>
       <p:ext uri="{BB962C8B-B14F-4D97-AF65-F5344CB8AC3E}">
-        <p14:creationId xmlns:p14="http://schemas.microsoft.com/office/powerpoint/2010/main" val="3595084779"/>
+        <p14:creationId xmlns:p14="http://schemas.microsoft.com/office/powerpoint/2010/main" val="1577056362"/>
       </p:ext>
     </p:extLst>
   </p:cSld>
@@ -9109,6 +9187,270 @@
     <p:extLst>
       <p:ext uri="{BB962C8B-B14F-4D97-AF65-F5344CB8AC3E}">
         <p14:creationId xmlns:p14="http://schemas.microsoft.com/office/powerpoint/2010/main" val="1386379733"/>
+      </p:ext>
+    </p:extLst>
+  </p:cSld>
+  <p:clrMapOvr>
+    <a:masterClrMapping/>
+  </p:clrMapOvr>
+</p:sld>
+</file>
+
+<file path=ppt/slides/slide20.xml><?xml version="1.0" encoding="utf-8"?>
+<p:sld xmlns:a="http://schemas.openxmlformats.org/drawingml/2006/main" xmlns:r="http://schemas.openxmlformats.org/officeDocument/2006/relationships" xmlns:p="http://schemas.openxmlformats.org/presentationml/2006/main">
+  <p:cSld>
+    <p:spTree>
+      <p:nvGrpSpPr>
+        <p:cNvPr id="1" name=""/>
+        <p:cNvGrpSpPr/>
+        <p:nvPr/>
+      </p:nvGrpSpPr>
+      <p:grpSpPr>
+        <a:xfrm>
+          <a:off x="0" y="0"/>
+          <a:ext cx="0" cy="0"/>
+          <a:chOff x="0" y="0"/>
+          <a:chExt cx="0" cy="0"/>
+        </a:xfrm>
+      </p:grpSpPr>
+      <p:sp>
+        <p:nvSpPr>
+          <p:cNvPr id="2" name="Title 1"/>
+          <p:cNvSpPr>
+            <a:spLocks noGrp="1"/>
+          </p:cNvSpPr>
+          <p:nvPr>
+            <p:ph type="title"/>
+          </p:nvPr>
+        </p:nvSpPr>
+        <p:spPr/>
+        <p:txBody>
+          <a:bodyPr/>
+          <a:lstStyle/>
+          <a:p>
+            <a:r>
+              <a:rPr lang="en-US" dirty="0" smtClean="0"/>
+              <a:t>Case Study</a:t>
+            </a:r>
+            <a:endParaRPr lang="en-US" dirty="0"/>
+          </a:p>
+        </p:txBody>
+      </p:sp>
+      <p:sp>
+        <p:nvSpPr>
+          <p:cNvPr id="3" name="Content Placeholder 2"/>
+          <p:cNvSpPr>
+            <a:spLocks noGrp="1"/>
+          </p:cNvSpPr>
+          <p:nvPr>
+            <p:ph idx="1"/>
+          </p:nvPr>
+        </p:nvSpPr>
+        <p:spPr/>
+        <p:txBody>
+          <a:bodyPr>
+            <a:normAutofit fontScale="47500" lnSpcReduction="20000"/>
+          </a:bodyPr>
+          <a:lstStyle/>
+          <a:p>
+            <a:pPr marL="0" indent="0">
+              <a:buNone/>
+            </a:pPr>
+            <a:r>
+              <a:rPr lang="en-US" dirty="0"/>
+              <a:t>I am an Indian national bank. I have branches in Pune, Mumbai, Chennai, </a:t>
+            </a:r>
+            <a:r>
+              <a:rPr lang="en-US" dirty="0" err="1"/>
+              <a:t>B'lore</a:t>
+            </a:r>
+            <a:r>
+              <a:rPr lang="en-US" dirty="0"/>
+              <a:t>, Delhi, Kanpur, Kolkata, Patna. Our HQ is at </a:t>
+            </a:r>
+            <a:r>
+              <a:rPr lang="en-US" dirty="0" err="1"/>
+              <a:t>Udaypur</a:t>
+            </a:r>
+            <a:r>
+              <a:rPr lang="en-US" dirty="0"/>
+              <a:t>. Our data center is located in </a:t>
+            </a:r>
+            <a:r>
+              <a:rPr lang="en-US" dirty="0" err="1"/>
+              <a:t>Airoli</a:t>
+            </a:r>
+            <a:r>
+              <a:rPr lang="en-US" dirty="0"/>
+              <a:t>. </a:t>
+            </a:r>
+          </a:p>
+          <a:p>
+            <a:pPr marL="0" indent="0">
+              <a:buNone/>
+            </a:pPr>
+            <a:endParaRPr lang="en-US" dirty="0"/>
+          </a:p>
+          <a:p>
+            <a:pPr marL="0" indent="0">
+              <a:buNone/>
+            </a:pPr>
+            <a:r>
+              <a:rPr lang="en-US" dirty="0"/>
+              <a:t>We hold 1 million account per city. Most of our </a:t>
+            </a:r>
+            <a:r>
+              <a:rPr lang="en-US" dirty="0" err="1"/>
+              <a:t>cutomers</a:t>
+            </a:r>
+            <a:r>
+              <a:rPr lang="en-US" dirty="0"/>
+              <a:t> are businessmen with relying on online transactions. In recent past, the # of </a:t>
+            </a:r>
+            <a:r>
+              <a:rPr lang="en-US" dirty="0" err="1"/>
+              <a:t>transacitons</a:t>
+            </a:r>
+            <a:r>
+              <a:rPr lang="en-US" dirty="0"/>
+              <a:t> have gone up drastically. Many of our DEBIT and CREDIT transaction are failing and need careful reprocessing. There have been complaints as below</a:t>
+            </a:r>
+          </a:p>
+          <a:p>
+            <a:pPr marL="0" indent="0">
+              <a:buNone/>
+            </a:pPr>
+            <a:endParaRPr lang="en-US" dirty="0"/>
+          </a:p>
+          <a:p>
+            <a:pPr marL="0" indent="0">
+              <a:buNone/>
+            </a:pPr>
+            <a:r>
+              <a:rPr lang="en-US" dirty="0"/>
+              <a:t>1. Additional amount has been deducted</a:t>
+            </a:r>
+          </a:p>
+          <a:p>
+            <a:pPr marL="0" indent="0">
+              <a:buNone/>
+            </a:pPr>
+            <a:r>
+              <a:rPr lang="en-US" dirty="0"/>
+              <a:t>2. Insufficient amount in the account</a:t>
+            </a:r>
+          </a:p>
+          <a:p>
+            <a:pPr marL="0" indent="0">
+              <a:buNone/>
+            </a:pPr>
+            <a:r>
+              <a:rPr lang="en-US" dirty="0"/>
+              <a:t>3. approved transactions are failing</a:t>
+            </a:r>
+          </a:p>
+          <a:p>
+            <a:pPr marL="0" indent="0">
+              <a:buNone/>
+            </a:pPr>
+            <a:r>
+              <a:rPr lang="en-US" dirty="0"/>
+              <a:t>4. Older transactions are failing</a:t>
+            </a:r>
+          </a:p>
+          <a:p>
+            <a:pPr marL="0" indent="0">
+              <a:buNone/>
+            </a:pPr>
+            <a:r>
+              <a:rPr lang="en-US" dirty="0"/>
+              <a:t>5. Newer transaction may get processed earlier.</a:t>
+            </a:r>
+          </a:p>
+          <a:p>
+            <a:pPr marL="0" indent="0">
+              <a:buNone/>
+            </a:pPr>
+            <a:r>
+              <a:rPr lang="en-US" dirty="0"/>
+              <a:t>6. Money transfer is failing to meet SLA.</a:t>
+            </a:r>
+          </a:p>
+          <a:p>
+            <a:pPr marL="0" indent="0">
+              <a:buNone/>
+            </a:pPr>
+            <a:r>
+              <a:rPr lang="en-US" dirty="0"/>
+              <a:t>7. Customers are </a:t>
+            </a:r>
+            <a:r>
+              <a:rPr lang="en-US" dirty="0" err="1"/>
+              <a:t>repoted</a:t>
+            </a:r>
+            <a:r>
+              <a:rPr lang="en-US" dirty="0"/>
+              <a:t> with failed transactions.</a:t>
+            </a:r>
+          </a:p>
+          <a:p>
+            <a:pPr marL="0" indent="0">
+              <a:buNone/>
+            </a:pPr>
+            <a:endParaRPr lang="en-US" dirty="0"/>
+          </a:p>
+          <a:p>
+            <a:pPr marL="0" indent="0">
+              <a:buNone/>
+            </a:pPr>
+            <a:endParaRPr lang="en-US" dirty="0"/>
+          </a:p>
+          <a:p>
+            <a:pPr marL="0" indent="0">
+              <a:buNone/>
+            </a:pPr>
+            <a:r>
+              <a:rPr lang="en-US" dirty="0"/>
+              <a:t>We are appointing you to review our current banking software as I am not a </a:t>
+            </a:r>
+            <a:r>
+              <a:rPr lang="en-US" dirty="0" err="1"/>
+              <a:t>technicall</a:t>
+            </a:r>
+            <a:r>
+              <a:rPr lang="en-US" dirty="0"/>
+              <a:t> person. You need to perform RCA &amp; suggest-implement solution for me.</a:t>
+            </a:r>
+          </a:p>
+        </p:txBody>
+      </p:sp>
+      <p:sp>
+        <p:nvSpPr>
+          <p:cNvPr id="4" name="Footer Placeholder 3"/>
+          <p:cNvSpPr>
+            <a:spLocks noGrp="1"/>
+          </p:cNvSpPr>
+          <p:nvPr>
+            <p:ph type="ftr" sz="quarter" idx="11"/>
+          </p:nvPr>
+        </p:nvSpPr>
+        <p:spPr/>
+        <p:txBody>
+          <a:bodyPr/>
+          <a:lstStyle/>
+          <a:p>
+            <a:r>
+              <a:rPr lang="en-US" smtClean="0"/>
+              <a:t>https://github.com/pgirgaonkar/ThreadExample</a:t>
+            </a:r>
+            <a:endParaRPr lang="en-US"/>
+          </a:p>
+        </p:txBody>
+      </p:sp>
+    </p:spTree>
+    <p:extLst>
+      <p:ext uri="{BB962C8B-B14F-4D97-AF65-F5344CB8AC3E}">
+        <p14:creationId xmlns:p14="http://schemas.microsoft.com/office/powerpoint/2010/main" val="3595084779"/>
       </p:ext>
     </p:extLst>
   </p:cSld>
